--- a/AngularCLI demo.pptx
+++ b/AngularCLI demo.pptx
@@ -25,6 +25,8 @@
     <p:sldId id="272" r:id="rId19"/>
     <p:sldId id="274" r:id="rId20"/>
     <p:sldId id="275" r:id="rId21"/>
+    <p:sldId id="277" r:id="rId22"/>
+    <p:sldId id="276" r:id="rId23"/>
   </p:sldIdLst>
   <p:sldSz cx="12192000" cy="6858000"/>
   <p:notesSz cx="6858000" cy="9144000"/>
@@ -123,6 +125,11 @@
       </a:defRPr>
     </a:lvl9pPr>
   </p:defaultTextStyle>
+  <p:extLst>
+    <p:ext uri="{EFAFB233-063F-42B5-8137-9DF3F51BA10A}">
+      <p15:sldGuideLst xmlns:p15="http://schemas.microsoft.com/office/powerpoint/2012/main"/>
+    </p:ext>
+  </p:extLst>
 </p:presentation>
 </file>
 
@@ -5152,6 +5159,233 @@
 </p:sld>
 </file>
 
+<file path=ppt/slides/slide21.xml><?xml version="1.0" encoding="utf-8"?>
+<p:sld xmlns:a="http://schemas.openxmlformats.org/drawingml/2006/main" xmlns:r="http://schemas.openxmlformats.org/officeDocument/2006/relationships" xmlns:p="http://schemas.openxmlformats.org/presentationml/2006/main">
+  <p:cSld>
+    <p:spTree>
+      <p:nvGrpSpPr>
+        <p:cNvPr id="1" name=""/>
+        <p:cNvGrpSpPr/>
+        <p:nvPr/>
+      </p:nvGrpSpPr>
+      <p:grpSpPr>
+        <a:xfrm>
+          <a:off x="0" y="0"/>
+          <a:ext cx="0" cy="0"/>
+          <a:chOff x="0" y="0"/>
+          <a:chExt cx="0" cy="0"/>
+        </a:xfrm>
+      </p:grpSpPr>
+      <p:sp>
+        <p:nvSpPr>
+          <p:cNvPr id="2" name="Title 1"/>
+          <p:cNvSpPr>
+            <a:spLocks noGrp="1"/>
+          </p:cNvSpPr>
+          <p:nvPr>
+            <p:ph type="title"/>
+          </p:nvPr>
+        </p:nvSpPr>
+        <p:spPr>
+          <a:xfrm>
+            <a:off x="1069848" y="484632"/>
+            <a:ext cx="10058400" cy="5659794"/>
+          </a:xfrm>
+        </p:spPr>
+        <p:txBody>
+          <a:bodyPr/>
+          <a:lstStyle/>
+          <a:p>
+            <a:pPr algn="ctr"/>
+            <a:r>
+              <a:rPr lang="en-US" dirty="0"/>
+              <a:t>Step 8: Demo</a:t>
+            </a:r>
+          </a:p>
+        </p:txBody>
+      </p:sp>
+    </p:spTree>
+    <p:extLst>
+      <p:ext uri="{BB962C8B-B14F-4D97-AF65-F5344CB8AC3E}">
+        <p14:creationId xmlns:p14="http://schemas.microsoft.com/office/powerpoint/2010/main" val="162189128"/>
+      </p:ext>
+    </p:extLst>
+  </p:cSld>
+  <p:clrMapOvr>
+    <a:masterClrMapping/>
+  </p:clrMapOvr>
+</p:sld>
+</file>
+
+<file path=ppt/slides/slide22.xml><?xml version="1.0" encoding="utf-8"?>
+<p:sld xmlns:a="http://schemas.openxmlformats.org/drawingml/2006/main" xmlns:r="http://schemas.openxmlformats.org/officeDocument/2006/relationships" xmlns:p="http://schemas.openxmlformats.org/presentationml/2006/main">
+  <p:cSld>
+    <p:spTree>
+      <p:nvGrpSpPr>
+        <p:cNvPr id="1" name=""/>
+        <p:cNvGrpSpPr/>
+        <p:nvPr/>
+      </p:nvGrpSpPr>
+      <p:grpSpPr>
+        <a:xfrm>
+          <a:off x="0" y="0"/>
+          <a:ext cx="0" cy="0"/>
+          <a:chOff x="0" y="0"/>
+          <a:chExt cx="0" cy="0"/>
+        </a:xfrm>
+      </p:grpSpPr>
+      <p:sp>
+        <p:nvSpPr>
+          <p:cNvPr id="2" name="Title 1"/>
+          <p:cNvSpPr>
+            <a:spLocks noGrp="1"/>
+          </p:cNvSpPr>
+          <p:nvPr>
+            <p:ph type="title"/>
+          </p:nvPr>
+        </p:nvSpPr>
+        <p:spPr/>
+        <p:txBody>
+          <a:bodyPr/>
+          <a:lstStyle/>
+          <a:p>
+            <a:r>
+              <a:rPr lang="en-US" dirty="0"/>
+              <a:t>References</a:t>
+            </a:r>
+          </a:p>
+        </p:txBody>
+      </p:sp>
+      <p:sp>
+        <p:nvSpPr>
+          <p:cNvPr id="3" name="Content Placeholder 2"/>
+          <p:cNvSpPr>
+            <a:spLocks noGrp="1"/>
+          </p:cNvSpPr>
+          <p:nvPr>
+            <p:ph idx="1"/>
+          </p:nvPr>
+        </p:nvSpPr>
+        <p:spPr/>
+        <p:txBody>
+          <a:bodyPr>
+            <a:normAutofit lnSpcReduction="10000"/>
+          </a:bodyPr>
+          <a:lstStyle/>
+          <a:p>
+            <a:r>
+              <a:rPr lang="en-US" dirty="0"/>
+              <a:t>Angular 2 Docs </a:t>
+            </a:r>
+            <a:r>
+              <a:rPr lang="en-US" dirty="0">
+                <a:hlinkClick r:id="rId2"/>
+              </a:rPr>
+              <a:t>https://angular.io/docs/ts/latest/</a:t>
+            </a:r>
+            <a:br>
+              <a:rPr lang="en-US" dirty="0"/>
+            </a:br>
+            <a:endParaRPr lang="en-US" dirty="0"/>
+          </a:p>
+          <a:p>
+            <a:r>
+              <a:rPr lang="en-US" dirty="0"/>
+              <a:t>Angular CLI </a:t>
+            </a:r>
+            <a:r>
+              <a:rPr lang="en-US" dirty="0">
+                <a:hlinkClick r:id="rId3"/>
+              </a:rPr>
+              <a:t>https://github.com/angular/angular-cli</a:t>
+            </a:r>
+            <a:br>
+              <a:rPr lang="en-US" dirty="0"/>
+            </a:br>
+            <a:endParaRPr lang="en-US" dirty="0"/>
+          </a:p>
+          <a:p>
+            <a:r>
+              <a:rPr lang="en-US" dirty="0"/>
+              <a:t>Angular 2 Tour of Heroes </a:t>
+            </a:r>
+            <a:r>
+              <a:rPr lang="en-US" dirty="0">
+                <a:hlinkClick r:id="rId4"/>
+              </a:rPr>
+              <a:t>https://angular.io/docs/ts/latest/tutorial/</a:t>
+            </a:r>
+            <a:br>
+              <a:rPr lang="en-US" dirty="0"/>
+            </a:br>
+            <a:endParaRPr lang="en-US" dirty="0"/>
+          </a:p>
+          <a:p>
+            <a:r>
+              <a:rPr lang="en-US" dirty="0" err="1"/>
+              <a:t>TypeScript</a:t>
+            </a:r>
+            <a:r>
+              <a:rPr lang="en-US" dirty="0"/>
+              <a:t> Tutorial </a:t>
+            </a:r>
+            <a:r>
+              <a:rPr lang="en-US" dirty="0">
+                <a:hlinkClick r:id="rId5"/>
+              </a:rPr>
+              <a:t>https</a:t>
+            </a:r>
+            <a:r>
+              <a:rPr lang="en-US">
+                <a:hlinkClick r:id="rId5"/>
+              </a:rPr>
+              <a:t>://www.typescriptlang.org/docs/tutorial.html</a:t>
+            </a:r>
+            <a:br>
+              <a:rPr lang="en-US"/>
+            </a:br>
+            <a:endParaRPr lang="en-US" dirty="0"/>
+          </a:p>
+          <a:p>
+            <a:r>
+              <a:rPr lang="en-US" dirty="0"/>
+              <a:t>Less Tutorial </a:t>
+            </a:r>
+            <a:r>
+              <a:rPr lang="en-US" dirty="0">
+                <a:hlinkClick r:id="rId6"/>
+              </a:rPr>
+              <a:t>http://lesscss.org</a:t>
+            </a:r>
+            <a:endParaRPr lang="en-US" dirty="0"/>
+          </a:p>
+          <a:p>
+            <a:endParaRPr lang="en-US" dirty="0"/>
+          </a:p>
+          <a:p>
+            <a:pPr marL="0" indent="0">
+              <a:buNone/>
+            </a:pPr>
+            <a:br>
+              <a:rPr lang="en-US" dirty="0"/>
+            </a:br>
+            <a:endParaRPr lang="en-US" dirty="0"/>
+          </a:p>
+        </p:txBody>
+      </p:sp>
+    </p:spTree>
+    <p:extLst>
+      <p:ext uri="{BB962C8B-B14F-4D97-AF65-F5344CB8AC3E}">
+        <p14:creationId xmlns:p14="http://schemas.microsoft.com/office/powerpoint/2010/main" val="3261803961"/>
+      </p:ext>
+    </p:extLst>
+  </p:cSld>
+  <p:clrMapOvr>
+    <a:masterClrMapping/>
+  </p:clrMapOvr>
+</p:sld>
+</file>
+
 <file path=ppt/slides/slide3.xml><?xml version="1.0" encoding="utf-8"?>
 <p:sld xmlns:a="http://schemas.openxmlformats.org/drawingml/2006/main" xmlns:r="http://schemas.openxmlformats.org/officeDocument/2006/relationships" xmlns:p="http://schemas.openxmlformats.org/presentationml/2006/main">
   <p:cSld>
@@ -5704,7 +5938,6 @@
               <a:rPr lang="en-US" dirty="0"/>
               <a:t>  --style=less</a:t>
             </a:r>
-            <a:endParaRPr lang="en-US" dirty="0"/>
           </a:p>
           <a:p>
             <a:pPr marL="0" indent="0">
@@ -5955,15 +6188,7 @@
           <a:p>
             <a:r>
               <a:rPr lang="en-US" dirty="0"/>
-              <a:t>Has an isolated </a:t>
-            </a:r>
-            <a:r>
-              <a:rPr lang="en-US" dirty="0"/>
-              <a:t>vendor prefixed </a:t>
-            </a:r>
-            <a:r>
-              <a:rPr lang="en-US" dirty="0"/>
-              <a:t>CSS/LESS support built in</a:t>
+              <a:t>Has an isolated vendor prefixed CSS/LESS support built in</a:t>
             </a:r>
           </a:p>
         </p:txBody>
